--- a/iot-basic/images/streamanalytics.pptx
+++ b/iot-basic/images/streamanalytics.pptx
@@ -332,7 +332,7 @@
           <a:p>
             <a:fld id="{423E73C1-A55A-E744-B6CD-C2F9DA663573}" type="datetimeFigureOut">
               <a:rPr kumimoji="1" lang="ja-JP" altLang="en-US" smtClean="0"/>
-              <a:t>2018/9/18</a:t>
+              <a:t>2018/9/19</a:t>
             </a:fld>
             <a:endParaRPr kumimoji="1" lang="ja-JP" altLang="en-US"/>
           </a:p>
@@ -537,7 +537,7 @@
           <a:p>
             <a:fld id="{423E73C1-A55A-E744-B6CD-C2F9DA663573}" type="datetimeFigureOut">
               <a:rPr kumimoji="1" lang="ja-JP" altLang="en-US" smtClean="0"/>
-              <a:t>2018/9/18</a:t>
+              <a:t>2018/9/19</a:t>
             </a:fld>
             <a:endParaRPr kumimoji="1" lang="ja-JP" altLang="en-US"/>
           </a:p>
@@ -752,7 +752,7 @@
           <a:p>
             <a:fld id="{423E73C1-A55A-E744-B6CD-C2F9DA663573}" type="datetimeFigureOut">
               <a:rPr kumimoji="1" lang="ja-JP" altLang="en-US" smtClean="0"/>
-              <a:t>2018/9/18</a:t>
+              <a:t>2018/9/19</a:t>
             </a:fld>
             <a:endParaRPr kumimoji="1" lang="ja-JP" altLang="en-US"/>
           </a:p>
@@ -957,7 +957,7 @@
           <a:p>
             <a:fld id="{423E73C1-A55A-E744-B6CD-C2F9DA663573}" type="datetimeFigureOut">
               <a:rPr kumimoji="1" lang="ja-JP" altLang="en-US" smtClean="0"/>
-              <a:t>2018/9/18</a:t>
+              <a:t>2018/9/19</a:t>
             </a:fld>
             <a:endParaRPr kumimoji="1" lang="ja-JP" altLang="en-US"/>
           </a:p>
@@ -1267,7 +1267,7 @@
           <a:p>
             <a:fld id="{423E73C1-A55A-E744-B6CD-C2F9DA663573}" type="datetimeFigureOut">
               <a:rPr kumimoji="1" lang="ja-JP" altLang="en-US" smtClean="0"/>
-              <a:t>2018/9/18</a:t>
+              <a:t>2018/9/19</a:t>
             </a:fld>
             <a:endParaRPr kumimoji="1" lang="ja-JP" altLang="en-US"/>
           </a:p>
@@ -1546,7 +1546,7 @@
           <a:p>
             <a:fld id="{423E73C1-A55A-E744-B6CD-C2F9DA663573}" type="datetimeFigureOut">
               <a:rPr kumimoji="1" lang="ja-JP" altLang="en-US" smtClean="0"/>
-              <a:t>2018/9/18</a:t>
+              <a:t>2018/9/19</a:t>
             </a:fld>
             <a:endParaRPr kumimoji="1" lang="ja-JP" altLang="en-US"/>
           </a:p>
@@ -2042,7 +2042,7 @@
           <a:p>
             <a:fld id="{423E73C1-A55A-E744-B6CD-C2F9DA663573}" type="datetimeFigureOut">
               <a:rPr kumimoji="1" lang="ja-JP" altLang="en-US" smtClean="0"/>
-              <a:t>2018/9/18</a:t>
+              <a:t>2018/9/19</a:t>
             </a:fld>
             <a:endParaRPr kumimoji="1" lang="ja-JP" altLang="en-US"/>
           </a:p>
@@ -2194,7 +2194,7 @@
           <a:p>
             <a:fld id="{423E73C1-A55A-E744-B6CD-C2F9DA663573}" type="datetimeFigureOut">
               <a:rPr kumimoji="1" lang="ja-JP" altLang="en-US" smtClean="0"/>
-              <a:t>2018/9/18</a:t>
+              <a:t>2018/9/19</a:t>
             </a:fld>
             <a:endParaRPr kumimoji="1" lang="ja-JP" altLang="en-US"/>
           </a:p>
@@ -2307,7 +2307,7 @@
           <a:p>
             <a:fld id="{423E73C1-A55A-E744-B6CD-C2F9DA663573}" type="datetimeFigureOut">
               <a:rPr kumimoji="1" lang="ja-JP" altLang="en-US" smtClean="0"/>
-              <a:t>2018/9/18</a:t>
+              <a:t>2018/9/19</a:t>
             </a:fld>
             <a:endParaRPr kumimoji="1" lang="ja-JP" altLang="en-US"/>
           </a:p>
@@ -2660,7 +2660,7 @@
           <a:p>
             <a:fld id="{423E73C1-A55A-E744-B6CD-C2F9DA663573}" type="datetimeFigureOut">
               <a:rPr kumimoji="1" lang="ja-JP" altLang="en-US" smtClean="0"/>
-              <a:t>2018/9/18</a:t>
+              <a:t>2018/9/19</a:t>
             </a:fld>
             <a:endParaRPr kumimoji="1" lang="ja-JP" altLang="en-US"/>
           </a:p>
@@ -2983,7 +2983,7 @@
           <a:p>
             <a:fld id="{423E73C1-A55A-E744-B6CD-C2F9DA663573}" type="datetimeFigureOut">
               <a:rPr kumimoji="1" lang="ja-JP" altLang="en-US" smtClean="0"/>
-              <a:t>2018/9/18</a:t>
+              <a:t>2018/9/19</a:t>
             </a:fld>
             <a:endParaRPr kumimoji="1" lang="ja-JP" altLang="en-US"/>
           </a:p>
@@ -3231,7 +3231,7 @@
           <a:p>
             <a:fld id="{423E73C1-A55A-E744-B6CD-C2F9DA663573}" type="datetimeFigureOut">
               <a:rPr kumimoji="1" lang="ja-JP" altLang="en-US" smtClean="0"/>
-              <a:t>2018/9/18</a:t>
+              <a:t>2018/9/19</a:t>
             </a:fld>
             <a:endParaRPr kumimoji="1" lang="ja-JP" altLang="en-US"/>
           </a:p>
@@ -9664,344 +9664,323 @@
           </a:p>
         </p:txBody>
       </p:sp>
-      <p:grpSp>
-        <p:nvGrpSpPr>
-          <p:cNvPr id="10" name="グループ化 9">
-            <a:extLst>
-              <a:ext uri="{FF2B5EF4-FFF2-40B4-BE49-F238E27FC236}">
-                <a16:creationId xmlns:a16="http://schemas.microsoft.com/office/drawing/2014/main" id="{FBF3C5B7-42E9-3847-804F-1B681EDE6967}"/>
-              </a:ext>
-            </a:extLst>
-          </p:cNvPr>
-          <p:cNvGrpSpPr/>
+      <p:pic>
+        <p:nvPicPr>
+          <p:cNvPr id="5" name="図 4">
+            <a:extLst>
+              <a:ext uri="{FF2B5EF4-FFF2-40B4-BE49-F238E27FC236}">
+                <a16:creationId xmlns:a16="http://schemas.microsoft.com/office/drawing/2014/main" id="{99E31236-9169-5E45-9863-AAF366B5F171}"/>
+              </a:ext>
+            </a:extLst>
+          </p:cNvPr>
+          <p:cNvPicPr>
+            <a:picLocks noChangeAspect="1"/>
+          </p:cNvPicPr>
           <p:nvPr/>
-        </p:nvGrpSpPr>
-        <p:grpSpPr>
+        </p:nvPicPr>
+        <p:blipFill>
+          <a:blip r:embed="rId2"/>
+          <a:stretch>
+            <a:fillRect/>
+          </a:stretch>
+        </p:blipFill>
+        <p:spPr>
           <a:xfrm>
-            <a:off x="4495800" y="371475"/>
-            <a:ext cx="3200400" cy="6705600"/>
-            <a:chOff x="4495800" y="371475"/>
-            <a:chExt cx="3200400" cy="6705600"/>
+            <a:off x="4501092" y="596762"/>
+            <a:ext cx="3189816" cy="6705600"/>
           </a:xfrm>
-        </p:grpSpPr>
-        <p:pic>
-          <p:nvPicPr>
-            <p:cNvPr id="5" name="図 4">
-              <a:extLst>
-                <a:ext uri="{FF2B5EF4-FFF2-40B4-BE49-F238E27FC236}">
-                  <a16:creationId xmlns:a16="http://schemas.microsoft.com/office/drawing/2014/main" id="{99E31236-9169-5E45-9863-AAF366B5F171}"/>
-                </a:ext>
-              </a:extLst>
-            </p:cNvPr>
-            <p:cNvPicPr>
-              <a:picLocks noChangeAspect="1"/>
-            </p:cNvPicPr>
-            <p:nvPr/>
-          </p:nvPicPr>
-          <p:blipFill>
-            <a:blip r:embed="rId2"/>
-            <a:stretch>
-              <a:fillRect/>
-            </a:stretch>
-          </p:blipFill>
-          <p:spPr>
-            <a:xfrm>
-              <a:off x="4495800" y="371475"/>
-              <a:ext cx="3200400" cy="6705600"/>
-            </a:xfrm>
-            <a:prstGeom prst="rect">
+          <a:prstGeom prst="rect">
+            <a:avLst/>
+          </a:prstGeom>
+        </p:spPr>
+      </p:pic>
+      <p:sp>
+        <p:nvSpPr>
+          <p:cNvPr id="4" name="正方形/長方形 3">
+            <a:extLst>
+              <a:ext uri="{FF2B5EF4-FFF2-40B4-BE49-F238E27FC236}">
+                <a16:creationId xmlns:a16="http://schemas.microsoft.com/office/drawing/2014/main" id="{5F811A00-B5AA-F441-8C7A-6E9F70652BA2}"/>
+              </a:ext>
+            </a:extLst>
+          </p:cNvPr>
+          <p:cNvSpPr/>
+          <p:nvPr/>
+        </p:nvSpPr>
+        <p:spPr bwMode="auto">
+          <a:xfrm>
+            <a:off x="4711484" y="1422026"/>
+            <a:ext cx="2762741" cy="261000"/>
+          </a:xfrm>
+          <a:prstGeom prst="rect">
+            <a:avLst/>
+          </a:prstGeom>
+          <a:noFill/>
+          <a:ln w="25400">
+            <a:solidFill>
+              <a:srgbClr val="FF2600"/>
+            </a:solidFill>
+            <a:headEnd type="none" w="med" len="med"/>
+            <a:tailEnd type="none" w="med" len="med"/>
+          </a:ln>
+          <a:effectLst/>
+        </p:spPr>
+        <p:style>
+          <a:lnRef idx="1">
+            <a:schemeClr val="accent2"/>
+          </a:lnRef>
+          <a:fillRef idx="3">
+            <a:schemeClr val="accent2"/>
+          </a:fillRef>
+          <a:effectRef idx="2">
+            <a:schemeClr val="accent2"/>
+          </a:effectRef>
+          <a:fontRef idx="minor">
+            <a:schemeClr val="lt1"/>
+          </a:fontRef>
+        </p:style>
+        <p:txBody>
+          <a:bodyPr rot="0" spcFirstLastPara="0" vertOverflow="overflow" horzOverflow="overflow" vert="horz" wrap="none" lIns="182880" tIns="146304" rIns="182880" bIns="146304" numCol="1" spcCol="0" rtlCol="0" fromWordArt="0" anchor="ctr" anchorCtr="0" forceAA="0" compatLnSpc="1">
+            <a:prstTxWarp prst="textNoShape">
               <a:avLst/>
-            </a:prstGeom>
-          </p:spPr>
-        </p:pic>
-        <p:sp>
-          <p:nvSpPr>
-            <p:cNvPr id="4" name="正方形/長方形 3">
-              <a:extLst>
-                <a:ext uri="{FF2B5EF4-FFF2-40B4-BE49-F238E27FC236}">
-                  <a16:creationId xmlns:a16="http://schemas.microsoft.com/office/drawing/2014/main" id="{5F811A00-B5AA-F441-8C7A-6E9F70652BA2}"/>
-                </a:ext>
-              </a:extLst>
-            </p:cNvPr>
-            <p:cNvSpPr/>
-            <p:nvPr/>
-          </p:nvSpPr>
-          <p:spPr bwMode="auto">
-            <a:xfrm>
-              <a:off x="4711484" y="1196739"/>
-              <a:ext cx="2762741" cy="261000"/>
-            </a:xfrm>
-            <a:prstGeom prst="rect">
+            </a:prstTxWarp>
+            <a:noAutofit/>
+          </a:bodyPr>
+          <a:lstStyle/>
+          <a:p>
+            <a:pPr algn="ctr" defTabSz="932472" fontAlgn="base">
+              <a:lnSpc>
+                <a:spcPct val="90000"/>
+              </a:lnSpc>
+              <a:spcBef>
+                <a:spcPct val="0"/>
+              </a:spcBef>
+              <a:spcAft>
+                <a:spcPct val="0"/>
+              </a:spcAft>
+            </a:pPr>
+            <a:endParaRPr kumimoji="1" lang="ja-JP" altLang="en-US" sz="900" dirty="0" err="1">
+              <a:gradFill>
+                <a:gsLst>
+                  <a:gs pos="0">
+                    <a:srgbClr val="FFFFFF"/>
+                  </a:gs>
+                  <a:gs pos="100000">
+                    <a:srgbClr val="FFFFFF"/>
+                  </a:gs>
+                </a:gsLst>
+                <a:lin ang="5400000" scaled="0"/>
+              </a:gradFill>
+              <a:latin typeface="+mj-ea"/>
+              <a:ea typeface="+mj-ea"/>
+              <a:cs typeface="Segoe UI" pitchFamily="34" charset="0"/>
+            </a:endParaRPr>
+          </a:p>
+        </p:txBody>
+      </p:sp>
+      <p:sp>
+        <p:nvSpPr>
+          <p:cNvPr id="6" name="正方形/長方形 5">
+            <a:extLst>
+              <a:ext uri="{FF2B5EF4-FFF2-40B4-BE49-F238E27FC236}">
+                <a16:creationId xmlns:a16="http://schemas.microsoft.com/office/drawing/2014/main" id="{F559AE21-2ECA-6E4A-BEE6-0A0FE7CAAA2F}"/>
+              </a:ext>
+            </a:extLst>
+          </p:cNvPr>
+          <p:cNvSpPr/>
+          <p:nvPr/>
+        </p:nvSpPr>
+        <p:spPr bwMode="auto">
+          <a:xfrm>
+            <a:off x="4711484" y="2617089"/>
+            <a:ext cx="2762741" cy="261000"/>
+          </a:xfrm>
+          <a:prstGeom prst="rect">
+            <a:avLst/>
+          </a:prstGeom>
+          <a:noFill/>
+          <a:ln w="25400">
+            <a:solidFill>
+              <a:srgbClr val="FF2600"/>
+            </a:solidFill>
+            <a:headEnd type="none" w="med" len="med"/>
+            <a:tailEnd type="none" w="med" len="med"/>
+          </a:ln>
+          <a:effectLst/>
+        </p:spPr>
+        <p:style>
+          <a:lnRef idx="1">
+            <a:schemeClr val="accent2"/>
+          </a:lnRef>
+          <a:fillRef idx="3">
+            <a:schemeClr val="accent2"/>
+          </a:fillRef>
+          <a:effectRef idx="2">
+            <a:schemeClr val="accent2"/>
+          </a:effectRef>
+          <a:fontRef idx="minor">
+            <a:schemeClr val="lt1"/>
+          </a:fontRef>
+        </p:style>
+        <p:txBody>
+          <a:bodyPr rot="0" spcFirstLastPara="0" vertOverflow="overflow" horzOverflow="overflow" vert="horz" wrap="none" lIns="182880" tIns="146304" rIns="182880" bIns="146304" numCol="1" spcCol="0" rtlCol="0" fromWordArt="0" anchor="ctr" anchorCtr="0" forceAA="0" compatLnSpc="1">
+            <a:prstTxWarp prst="textNoShape">
               <a:avLst/>
-            </a:prstGeom>
-            <a:noFill/>
-            <a:ln w="25400">
-              <a:solidFill>
-                <a:srgbClr val="FF2600"/>
-              </a:solidFill>
-              <a:headEnd type="none" w="med" len="med"/>
-              <a:tailEnd type="none" w="med" len="med"/>
-            </a:ln>
-            <a:effectLst/>
-          </p:spPr>
-          <p:style>
-            <a:lnRef idx="1">
-              <a:schemeClr val="accent2"/>
-            </a:lnRef>
-            <a:fillRef idx="3">
-              <a:schemeClr val="accent2"/>
-            </a:fillRef>
-            <a:effectRef idx="2">
-              <a:schemeClr val="accent2"/>
-            </a:effectRef>
-            <a:fontRef idx="minor">
-              <a:schemeClr val="lt1"/>
-            </a:fontRef>
-          </p:style>
-          <p:txBody>
-            <a:bodyPr rot="0" spcFirstLastPara="0" vertOverflow="overflow" horzOverflow="overflow" vert="horz" wrap="none" lIns="182880" tIns="146304" rIns="182880" bIns="146304" numCol="1" spcCol="0" rtlCol="0" fromWordArt="0" anchor="ctr" anchorCtr="0" forceAA="0" compatLnSpc="1">
-              <a:prstTxWarp prst="textNoShape">
-                <a:avLst/>
-              </a:prstTxWarp>
-              <a:noAutofit/>
-            </a:bodyPr>
-            <a:lstStyle/>
-            <a:p>
-              <a:pPr algn="ctr" defTabSz="932472" fontAlgn="base">
-                <a:lnSpc>
-                  <a:spcPct val="90000"/>
-                </a:lnSpc>
-                <a:spcBef>
-                  <a:spcPct val="0"/>
-                </a:spcBef>
-                <a:spcAft>
-                  <a:spcPct val="0"/>
-                </a:spcAft>
-              </a:pPr>
-              <a:endParaRPr kumimoji="1" lang="ja-JP" altLang="en-US" sz="900" dirty="0" err="1">
-                <a:gradFill>
-                  <a:gsLst>
-                    <a:gs pos="0">
-                      <a:srgbClr val="FFFFFF"/>
-                    </a:gs>
-                    <a:gs pos="100000">
-                      <a:srgbClr val="FFFFFF"/>
-                    </a:gs>
-                  </a:gsLst>
-                  <a:lin ang="5400000" scaled="0"/>
-                </a:gradFill>
-                <a:latin typeface="+mj-ea"/>
-                <a:ea typeface="+mj-ea"/>
-                <a:cs typeface="Segoe UI" pitchFamily="34" charset="0"/>
-              </a:endParaRPr>
-            </a:p>
-          </p:txBody>
-        </p:sp>
-        <p:sp>
-          <p:nvSpPr>
-            <p:cNvPr id="6" name="正方形/長方形 5">
-              <a:extLst>
-                <a:ext uri="{FF2B5EF4-FFF2-40B4-BE49-F238E27FC236}">
-                  <a16:creationId xmlns:a16="http://schemas.microsoft.com/office/drawing/2014/main" id="{F559AE21-2ECA-6E4A-BEE6-0A0FE7CAAA2F}"/>
-                </a:ext>
-              </a:extLst>
-            </p:cNvPr>
-            <p:cNvSpPr/>
-            <p:nvPr/>
-          </p:nvSpPr>
-          <p:spPr bwMode="auto">
-            <a:xfrm>
-              <a:off x="4711484" y="2391802"/>
-              <a:ext cx="2762741" cy="261000"/>
-            </a:xfrm>
-            <a:prstGeom prst="rect">
+            </a:prstTxWarp>
+            <a:noAutofit/>
+          </a:bodyPr>
+          <a:lstStyle/>
+          <a:p>
+            <a:pPr algn="ctr" defTabSz="932472" fontAlgn="base">
+              <a:lnSpc>
+                <a:spcPct val="90000"/>
+              </a:lnSpc>
+              <a:spcBef>
+                <a:spcPct val="0"/>
+              </a:spcBef>
+              <a:spcAft>
+                <a:spcPct val="0"/>
+              </a:spcAft>
+            </a:pPr>
+            <a:endParaRPr kumimoji="1" lang="ja-JP" altLang="en-US" sz="900" dirty="0" err="1">
+              <a:gradFill>
+                <a:gsLst>
+                  <a:gs pos="0">
+                    <a:srgbClr val="FFFFFF"/>
+                  </a:gs>
+                  <a:gs pos="100000">
+                    <a:srgbClr val="FFFFFF"/>
+                  </a:gs>
+                </a:gsLst>
+                <a:lin ang="5400000" scaled="0"/>
+              </a:gradFill>
+              <a:latin typeface="+mj-ea"/>
+              <a:ea typeface="+mj-ea"/>
+              <a:cs typeface="Segoe UI" pitchFamily="34" charset="0"/>
+            </a:endParaRPr>
+          </a:p>
+        </p:txBody>
+      </p:sp>
+      <p:sp>
+        <p:nvSpPr>
+          <p:cNvPr id="7" name="正方形/長方形 6">
+            <a:extLst>
+              <a:ext uri="{FF2B5EF4-FFF2-40B4-BE49-F238E27FC236}">
+                <a16:creationId xmlns:a16="http://schemas.microsoft.com/office/drawing/2014/main" id="{8809132B-823D-714B-A2B7-B65D311B7F5B}"/>
+              </a:ext>
+            </a:extLst>
+          </p:cNvPr>
+          <p:cNvSpPr/>
+          <p:nvPr/>
+        </p:nvSpPr>
+        <p:spPr bwMode="auto">
+          <a:xfrm>
+            <a:off x="4711484" y="6891129"/>
+            <a:ext cx="1000203" cy="291549"/>
+          </a:xfrm>
+          <a:prstGeom prst="rect">
+            <a:avLst/>
+          </a:prstGeom>
+          <a:noFill/>
+          <a:ln w="25400">
+            <a:solidFill>
+              <a:srgbClr val="FF2600"/>
+            </a:solidFill>
+            <a:headEnd type="none" w="med" len="med"/>
+            <a:tailEnd type="none" w="med" len="med"/>
+          </a:ln>
+          <a:effectLst/>
+        </p:spPr>
+        <p:style>
+          <a:lnRef idx="1">
+            <a:schemeClr val="accent2"/>
+          </a:lnRef>
+          <a:fillRef idx="3">
+            <a:schemeClr val="accent2"/>
+          </a:fillRef>
+          <a:effectRef idx="2">
+            <a:schemeClr val="accent2"/>
+          </a:effectRef>
+          <a:fontRef idx="minor">
+            <a:schemeClr val="lt1"/>
+          </a:fontRef>
+        </p:style>
+        <p:txBody>
+          <a:bodyPr rot="0" spcFirstLastPara="0" vertOverflow="overflow" horzOverflow="overflow" vert="horz" wrap="none" lIns="182880" tIns="146304" rIns="182880" bIns="146304" numCol="1" spcCol="0" rtlCol="0" fromWordArt="0" anchor="ctr" anchorCtr="0" forceAA="0" compatLnSpc="1">
+            <a:prstTxWarp prst="textNoShape">
               <a:avLst/>
-            </a:prstGeom>
-            <a:noFill/>
-            <a:ln w="25400">
-              <a:solidFill>
-                <a:srgbClr val="FF2600"/>
-              </a:solidFill>
-              <a:headEnd type="none" w="med" len="med"/>
-              <a:tailEnd type="none" w="med" len="med"/>
-            </a:ln>
-            <a:effectLst/>
-          </p:spPr>
-          <p:style>
-            <a:lnRef idx="1">
-              <a:schemeClr val="accent2"/>
-            </a:lnRef>
-            <a:fillRef idx="3">
-              <a:schemeClr val="accent2"/>
-            </a:fillRef>
-            <a:effectRef idx="2">
-              <a:schemeClr val="accent2"/>
-            </a:effectRef>
-            <a:fontRef idx="minor">
-              <a:schemeClr val="lt1"/>
-            </a:fontRef>
-          </p:style>
-          <p:txBody>
-            <a:bodyPr rot="0" spcFirstLastPara="0" vertOverflow="overflow" horzOverflow="overflow" vert="horz" wrap="none" lIns="182880" tIns="146304" rIns="182880" bIns="146304" numCol="1" spcCol="0" rtlCol="0" fromWordArt="0" anchor="ctr" anchorCtr="0" forceAA="0" compatLnSpc="1">
-              <a:prstTxWarp prst="textNoShape">
-                <a:avLst/>
-              </a:prstTxWarp>
-              <a:noAutofit/>
-            </a:bodyPr>
-            <a:lstStyle/>
-            <a:p>
-              <a:pPr algn="ctr" defTabSz="932472" fontAlgn="base">
-                <a:lnSpc>
-                  <a:spcPct val="90000"/>
-                </a:lnSpc>
-                <a:spcBef>
-                  <a:spcPct val="0"/>
-                </a:spcBef>
-                <a:spcAft>
-                  <a:spcPct val="0"/>
-                </a:spcAft>
-              </a:pPr>
-              <a:endParaRPr kumimoji="1" lang="ja-JP" altLang="en-US" sz="900" dirty="0" err="1">
-                <a:gradFill>
-                  <a:gsLst>
-                    <a:gs pos="0">
-                      <a:srgbClr val="FFFFFF"/>
-                    </a:gs>
-                    <a:gs pos="100000">
-                      <a:srgbClr val="FFFFFF"/>
-                    </a:gs>
-                  </a:gsLst>
-                  <a:lin ang="5400000" scaled="0"/>
-                </a:gradFill>
-                <a:latin typeface="+mj-ea"/>
-                <a:ea typeface="+mj-ea"/>
-                <a:cs typeface="Segoe UI" pitchFamily="34" charset="0"/>
-              </a:endParaRPr>
-            </a:p>
-          </p:txBody>
-        </p:sp>
-        <p:sp>
-          <p:nvSpPr>
-            <p:cNvPr id="7" name="正方形/長方形 6">
-              <a:extLst>
-                <a:ext uri="{FF2B5EF4-FFF2-40B4-BE49-F238E27FC236}">
-                  <a16:creationId xmlns:a16="http://schemas.microsoft.com/office/drawing/2014/main" id="{8809132B-823D-714B-A2B7-B65D311B7F5B}"/>
-                </a:ext>
-              </a:extLst>
-            </p:cNvPr>
-            <p:cNvSpPr/>
-            <p:nvPr/>
-          </p:nvSpPr>
-          <p:spPr bwMode="auto">
-            <a:xfrm>
-              <a:off x="4711484" y="6665842"/>
-              <a:ext cx="1000203" cy="291549"/>
-            </a:xfrm>
-            <a:prstGeom prst="rect">
-              <a:avLst/>
-            </a:prstGeom>
-            <a:noFill/>
-            <a:ln w="25400">
-              <a:solidFill>
-                <a:srgbClr val="FF2600"/>
-              </a:solidFill>
-              <a:headEnd type="none" w="med" len="med"/>
-              <a:tailEnd type="none" w="med" len="med"/>
-            </a:ln>
-            <a:effectLst/>
-          </p:spPr>
-          <p:style>
-            <a:lnRef idx="1">
-              <a:schemeClr val="accent2"/>
-            </a:lnRef>
-            <a:fillRef idx="3">
-              <a:schemeClr val="accent2"/>
-            </a:fillRef>
-            <a:effectRef idx="2">
-              <a:schemeClr val="accent2"/>
-            </a:effectRef>
-            <a:fontRef idx="minor">
-              <a:schemeClr val="lt1"/>
-            </a:fontRef>
-          </p:style>
-          <p:txBody>
-            <a:bodyPr rot="0" spcFirstLastPara="0" vertOverflow="overflow" horzOverflow="overflow" vert="horz" wrap="none" lIns="182880" tIns="146304" rIns="182880" bIns="146304" numCol="1" spcCol="0" rtlCol="0" fromWordArt="0" anchor="ctr" anchorCtr="0" forceAA="0" compatLnSpc="1">
-              <a:prstTxWarp prst="textNoShape">
-                <a:avLst/>
-              </a:prstTxWarp>
-              <a:noAutofit/>
-            </a:bodyPr>
-            <a:lstStyle/>
-            <a:p>
-              <a:pPr algn="ctr" defTabSz="932472" fontAlgn="base">
-                <a:lnSpc>
-                  <a:spcPct val="90000"/>
-                </a:lnSpc>
-                <a:spcBef>
-                  <a:spcPct val="0"/>
-                </a:spcBef>
-                <a:spcAft>
-                  <a:spcPct val="0"/>
-                </a:spcAft>
-              </a:pPr>
-              <a:endParaRPr kumimoji="1" lang="ja-JP" altLang="en-US" sz="900" dirty="0" err="1">
-                <a:gradFill>
-                  <a:gsLst>
-                    <a:gs pos="0">
-                      <a:srgbClr val="FFFFFF"/>
-                    </a:gs>
-                    <a:gs pos="100000">
-                      <a:srgbClr val="FFFFFF"/>
-                    </a:gs>
-                  </a:gsLst>
-                  <a:lin ang="5400000" scaled="0"/>
-                </a:gradFill>
-                <a:latin typeface="+mj-ea"/>
-                <a:ea typeface="+mj-ea"/>
-                <a:cs typeface="Segoe UI" pitchFamily="34" charset="0"/>
-              </a:endParaRPr>
-            </a:p>
-          </p:txBody>
-        </p:sp>
-        <p:sp>
-          <p:nvSpPr>
-            <p:cNvPr id="9" name="テキスト ボックス 8">
-              <a:extLst>
-                <a:ext uri="{FF2B5EF4-FFF2-40B4-BE49-F238E27FC236}">
-                  <a16:creationId xmlns:a16="http://schemas.microsoft.com/office/drawing/2014/main" id="{9AC2A479-B9F6-A646-A1B3-0B4AA1E8F77D}"/>
-                </a:ext>
-              </a:extLst>
-            </p:cNvPr>
-            <p:cNvSpPr txBox="1"/>
-            <p:nvPr/>
-          </p:nvSpPr>
-          <p:spPr>
-            <a:xfrm>
-              <a:off x="5765475" y="3924349"/>
-              <a:ext cx="568599" cy="169277"/>
-            </a:xfrm>
-            <a:prstGeom prst="rect">
-              <a:avLst/>
-            </a:prstGeom>
-            <a:solidFill>
-              <a:schemeClr val="bg1"/>
-            </a:solidFill>
-          </p:spPr>
-          <p:txBody>
-            <a:bodyPr wrap="none" lIns="36000" tIns="0" rIns="108000" bIns="0" rtlCol="0">
-              <a:spAutoFit/>
-            </a:bodyPr>
-            <a:lstStyle/>
-            <a:p>
-              <a:r>
-                <a:rPr lang="ja-JP" altLang="en-US" sz="1100"/>
-                <a:t>東日本</a:t>
-              </a:r>
-              <a:endParaRPr kumimoji="1" lang="ja-JP" altLang="en-US" sz="1100"/>
-            </a:p>
-          </p:txBody>
-        </p:sp>
-      </p:grpSp>
+            </a:prstTxWarp>
+            <a:noAutofit/>
+          </a:bodyPr>
+          <a:lstStyle/>
+          <a:p>
+            <a:pPr algn="ctr" defTabSz="932472" fontAlgn="base">
+              <a:lnSpc>
+                <a:spcPct val="90000"/>
+              </a:lnSpc>
+              <a:spcBef>
+                <a:spcPct val="0"/>
+              </a:spcBef>
+              <a:spcAft>
+                <a:spcPct val="0"/>
+              </a:spcAft>
+            </a:pPr>
+            <a:endParaRPr kumimoji="1" lang="ja-JP" altLang="en-US" sz="900" dirty="0" err="1">
+              <a:gradFill>
+                <a:gsLst>
+                  <a:gs pos="0">
+                    <a:srgbClr val="FFFFFF"/>
+                  </a:gs>
+                  <a:gs pos="100000">
+                    <a:srgbClr val="FFFFFF"/>
+                  </a:gs>
+                </a:gsLst>
+                <a:lin ang="5400000" scaled="0"/>
+              </a:gradFill>
+              <a:latin typeface="+mj-ea"/>
+              <a:ea typeface="+mj-ea"/>
+              <a:cs typeface="Segoe UI" pitchFamily="34" charset="0"/>
+            </a:endParaRPr>
+          </a:p>
+        </p:txBody>
+      </p:sp>
+      <p:sp>
+        <p:nvSpPr>
+          <p:cNvPr id="9" name="テキスト ボックス 8">
+            <a:extLst>
+              <a:ext uri="{FF2B5EF4-FFF2-40B4-BE49-F238E27FC236}">
+                <a16:creationId xmlns:a16="http://schemas.microsoft.com/office/drawing/2014/main" id="{9AC2A479-B9F6-A646-A1B3-0B4AA1E8F77D}"/>
+              </a:ext>
+            </a:extLst>
+          </p:cNvPr>
+          <p:cNvSpPr txBox="1"/>
+          <p:nvPr/>
+        </p:nvSpPr>
+        <p:spPr>
+          <a:xfrm>
+            <a:off x="5765475" y="4149636"/>
+            <a:ext cx="568599" cy="169277"/>
+          </a:xfrm>
+          <a:prstGeom prst="rect">
+            <a:avLst/>
+          </a:prstGeom>
+          <a:solidFill>
+            <a:schemeClr val="bg1"/>
+          </a:solidFill>
+        </p:spPr>
+        <p:txBody>
+          <a:bodyPr wrap="none" lIns="36000" tIns="0" rIns="108000" bIns="0" rtlCol="0">
+            <a:spAutoFit/>
+          </a:bodyPr>
+          <a:lstStyle/>
+          <a:p>
+            <a:r>
+              <a:rPr lang="ja-JP" altLang="en-US" sz="1100"/>
+              <a:t>東日本</a:t>
+            </a:r>
+            <a:endParaRPr kumimoji="1" lang="ja-JP" altLang="en-US" sz="1100"/>
+          </a:p>
+        </p:txBody>
+      </p:sp>
     </p:spTree>
     <p:extLst>
       <p:ext uri="{BB962C8B-B14F-4D97-AF65-F5344CB8AC3E}">
@@ -14431,6 +14410,44 @@
               <a:ea typeface="+mj-ea"/>
               <a:cs typeface="Segoe UI" pitchFamily="34" charset="0"/>
             </a:endParaRPr>
+          </a:p>
+        </p:txBody>
+      </p:sp>
+      <p:sp>
+        <p:nvSpPr>
+          <p:cNvPr id="3" name="テキスト ボックス 2">
+            <a:extLst>
+              <a:ext uri="{FF2B5EF4-FFF2-40B4-BE49-F238E27FC236}">
+                <a16:creationId xmlns:a16="http://schemas.microsoft.com/office/drawing/2014/main" id="{946CAD8E-F333-2C4B-BDDC-C42C91367BF8}"/>
+              </a:ext>
+            </a:extLst>
+          </p:cNvPr>
+          <p:cNvSpPr txBox="1"/>
+          <p:nvPr/>
+        </p:nvSpPr>
+        <p:spPr>
+          <a:xfrm>
+            <a:off x="4900265" y="4285130"/>
+            <a:ext cx="562655" cy="92333"/>
+          </a:xfrm>
+          <a:prstGeom prst="rect">
+            <a:avLst/>
+          </a:prstGeom>
+          <a:solidFill>
+            <a:schemeClr val="bg1"/>
+          </a:solidFill>
+        </p:spPr>
+        <p:txBody>
+          <a:bodyPr wrap="none" lIns="0" tIns="0" rIns="0" bIns="0" rtlCol="0">
+            <a:spAutoFit/>
+          </a:bodyPr>
+          <a:lstStyle/>
+          <a:p>
+            <a:r>
+              <a:rPr kumimoji="1" lang="en-US" altLang="ja-JP" sz="600" dirty="0" err="1"/>
+              <a:t>streamanalytics</a:t>
+            </a:r>
+            <a:endParaRPr kumimoji="1" lang="ja-JP" altLang="en-US" sz="600"/>
           </a:p>
         </p:txBody>
       </p:sp>
